--- a/notes/intermediate_schedule.pptx
+++ b/notes/intermediate_schedule.pptx
@@ -6,7 +6,6 @@
   </p:sldMasterIdLst>
   <p:sldIdLst>
     <p:sldId id="256" r:id="rId2"/>
-    <p:sldId id="257" r:id="rId3"/>
   </p:sldIdLst>
   <p:sldSz cx="12192000" cy="6858000"/>
   <p:notesSz cx="6858000" cy="9144000"/>
@@ -105,6 +104,11 @@
       </a:defRPr>
     </a:lvl9pPr>
   </p:defaultTextStyle>
+  <p:extLst>
+    <p:ext uri="{EFAFB233-063F-42B5-8137-9DF3F51BA10A}">
+      <p15:sldGuideLst xmlns:p15="http://schemas.microsoft.com/office/powerpoint/2012/main"/>
+    </p:ext>
+  </p:extLst>
 </p:presentation>
 </file>
 
@@ -257,7 +261,7 @@
           <a:p>
             <a:fld id="{0F22AA80-B079-4E32-ACBC-7F59A4DDF268}" type="datetimeFigureOut">
               <a:rPr lang="en-US" smtClean="0"/>
-              <a:t>6/15/2019</a:t>
+              <a:t>6/16/2019</a:t>
             </a:fld>
             <a:endParaRPr lang="en-US"/>
           </a:p>
@@ -489,7 +493,7 @@
           <a:p>
             <a:fld id="{0F22AA80-B079-4E32-ACBC-7F59A4DDF268}" type="datetimeFigureOut">
               <a:rPr lang="en-US" smtClean="0"/>
-              <a:t>6/15/2019</a:t>
+              <a:t>6/16/2019</a:t>
             </a:fld>
             <a:endParaRPr lang="en-US"/>
           </a:p>
@@ -731,7 +735,7 @@
           <a:p>
             <a:fld id="{0F22AA80-B079-4E32-ACBC-7F59A4DDF268}" type="datetimeFigureOut">
               <a:rPr lang="en-US" smtClean="0"/>
-              <a:t>6/15/2019</a:t>
+              <a:t>6/16/2019</a:t>
             </a:fld>
             <a:endParaRPr lang="en-US"/>
           </a:p>
@@ -963,7 +967,7 @@
           <a:p>
             <a:fld id="{0F22AA80-B079-4E32-ACBC-7F59A4DDF268}" type="datetimeFigureOut">
               <a:rPr lang="en-US" smtClean="0"/>
-              <a:t>6/15/2019</a:t>
+              <a:t>6/16/2019</a:t>
             </a:fld>
             <a:endParaRPr lang="en-US"/>
           </a:p>
@@ -1239,7 +1243,7 @@
           <a:p>
             <a:fld id="{0F22AA80-B079-4E32-ACBC-7F59A4DDF268}" type="datetimeFigureOut">
               <a:rPr lang="en-US" smtClean="0"/>
-              <a:t>6/15/2019</a:t>
+              <a:t>6/16/2019</a:t>
             </a:fld>
             <a:endParaRPr lang="en-US"/>
           </a:p>
@@ -1571,7 +1575,7 @@
           <a:p>
             <a:fld id="{0F22AA80-B079-4E32-ACBC-7F59A4DDF268}" type="datetimeFigureOut">
               <a:rPr lang="en-US" smtClean="0"/>
-              <a:t>6/15/2019</a:t>
+              <a:t>6/16/2019</a:t>
             </a:fld>
             <a:endParaRPr lang="en-US"/>
           </a:p>
@@ -2050,7 +2054,7 @@
           <a:p>
             <a:fld id="{0F22AA80-B079-4E32-ACBC-7F59A4DDF268}" type="datetimeFigureOut">
               <a:rPr lang="en-US" smtClean="0"/>
-              <a:t>6/15/2019</a:t>
+              <a:t>6/16/2019</a:t>
             </a:fld>
             <a:endParaRPr lang="en-US"/>
           </a:p>
@@ -2192,7 +2196,7 @@
           <a:p>
             <a:fld id="{0F22AA80-B079-4E32-ACBC-7F59A4DDF268}" type="datetimeFigureOut">
               <a:rPr lang="en-US" smtClean="0"/>
-              <a:t>6/15/2019</a:t>
+              <a:t>6/16/2019</a:t>
             </a:fld>
             <a:endParaRPr lang="en-US"/>
           </a:p>
@@ -2305,7 +2309,7 @@
           <a:p>
             <a:fld id="{0F22AA80-B079-4E32-ACBC-7F59A4DDF268}" type="datetimeFigureOut">
               <a:rPr lang="en-US" smtClean="0"/>
-              <a:t>6/15/2019</a:t>
+              <a:t>6/16/2019</a:t>
             </a:fld>
             <a:endParaRPr lang="en-US"/>
           </a:p>
@@ -2650,7 +2654,7 @@
           <a:p>
             <a:fld id="{0F22AA80-B079-4E32-ACBC-7F59A4DDF268}" type="datetimeFigureOut">
               <a:rPr lang="en-US" smtClean="0"/>
-              <a:t>6/15/2019</a:t>
+              <a:t>6/16/2019</a:t>
             </a:fld>
             <a:endParaRPr lang="en-US"/>
           </a:p>
@@ -2939,7 +2943,7 @@
           <a:p>
             <a:fld id="{0F22AA80-B079-4E32-ACBC-7F59A4DDF268}" type="datetimeFigureOut">
               <a:rPr lang="en-US" smtClean="0"/>
-              <a:t>6/15/2019</a:t>
+              <a:t>6/16/2019</a:t>
             </a:fld>
             <a:endParaRPr lang="en-US"/>
           </a:p>
@@ -3214,7 +3218,7 @@
           <a:p>
             <a:fld id="{0F22AA80-B079-4E32-ACBC-7F59A4DDF268}" type="datetimeFigureOut">
               <a:rPr lang="en-US" smtClean="0"/>
-              <a:t>6/15/2019</a:t>
+              <a:t>6/16/2019</a:t>
             </a:fld>
             <a:endParaRPr lang="en-US"/>
           </a:p>
@@ -3948,7 +3952,7 @@
         <p:spPr>
           <a:xfrm>
             <a:off x="4986339" y="3044309"/>
-            <a:ext cx="1147764" cy="369332"/>
+            <a:ext cx="1147764" cy="500212"/>
           </a:xfrm>
           <a:prstGeom prst="rect">
             <a:avLst/>
@@ -3971,6 +3975,13 @@
         <p:txBody>
           <a:bodyPr rtlCol="0" anchor="ctr"/>
           <a:lstStyle/>
+          <a:p>
+            <a:pPr algn="ctr"/>
+            <a:r>
+              <a:rPr lang="en-US" sz="1400" dirty="0"/>
+              <a:t>Shared</a:t>
+            </a:r>
+          </a:p>
           <a:p>
             <a:pPr algn="ctr"/>
             <a:r>
@@ -4090,7 +4101,7 @@
         <p:spPr>
           <a:xfrm>
             <a:off x="4484687" y="2936022"/>
-            <a:ext cx="501652" cy="292953"/>
+            <a:ext cx="501652" cy="358393"/>
           </a:xfrm>
           <a:prstGeom prst="straightConnector1">
             <a:avLst/>
@@ -4308,7 +4319,7 @@
         </p:nvSpPr>
         <p:spPr>
           <a:xfrm>
-            <a:off x="6754814" y="3984070"/>
+            <a:off x="8724066" y="5114613"/>
             <a:ext cx="3008311" cy="926068"/>
           </a:xfrm>
           <a:prstGeom prst="rect">
@@ -4370,7 +4381,7 @@
         </p:nvSpPr>
         <p:spPr>
           <a:xfrm>
-            <a:off x="6754814" y="3507073"/>
+            <a:off x="8724072" y="3497713"/>
             <a:ext cx="3008311" cy="369333"/>
           </a:xfrm>
           <a:prstGeom prst="rect">
@@ -4412,13 +4423,15 @@
               </a:ext>
             </a:extLst>
           </p:cNvPr>
-          <p:cNvCxnSpPr/>
+          <p:cNvCxnSpPr>
+            <a:cxnSpLocks/>
+          </p:cNvCxnSpPr>
           <p:nvPr/>
         </p:nvCxnSpPr>
         <p:spPr>
           <a:xfrm>
             <a:off x="4484687" y="3876407"/>
-            <a:ext cx="2270127" cy="0"/>
+            <a:ext cx="4239381" cy="0"/>
           </a:xfrm>
           <a:prstGeom prst="line">
             <a:avLst/>
@@ -4456,7 +4469,7 @@
         </p:nvSpPr>
         <p:spPr>
           <a:xfrm>
-            <a:off x="6754814" y="5017800"/>
+            <a:off x="8724064" y="4672130"/>
             <a:ext cx="3008311" cy="292388"/>
           </a:xfrm>
           <a:prstGeom prst="rect">
@@ -4550,8 +4563,8 @@
         </p:nvSpPr>
         <p:spPr>
           <a:xfrm>
-            <a:off x="4986338" y="4115216"/>
-            <a:ext cx="1147764" cy="369332"/>
+            <a:off x="7239792" y="4672130"/>
+            <a:ext cx="1147764" cy="586944"/>
           </a:xfrm>
           <a:prstGeom prst="rect">
             <a:avLst/>
@@ -4578,54 +4591,18 @@
             <a:pPr algn="ctr"/>
             <a:r>
               <a:rPr lang="en-US" sz="1400" dirty="0"/>
+              <a:t>Local</a:t>
+            </a:r>
+          </a:p>
+          <a:p>
+            <a:pPr algn="ctr"/>
+            <a:r>
+              <a:rPr lang="en-US" sz="1400" dirty="0"/>
               <a:t>Intermediate</a:t>
             </a:r>
           </a:p>
         </p:txBody>
       </p:sp>
-      <p:cxnSp>
-        <p:nvCxnSpPr>
-          <p:cNvPr id="53" name="直線矢印コネクタ 52">
-            <a:extLst>
-              <a:ext uri="{FF2B5EF4-FFF2-40B4-BE49-F238E27FC236}">
-                <a16:creationId xmlns:a16="http://schemas.microsoft.com/office/drawing/2014/main" id="{FC0102B6-6FEA-4D9C-9745-6F0FDA28950A}"/>
-              </a:ext>
-            </a:extLst>
-          </p:cNvPr>
-          <p:cNvCxnSpPr>
-            <a:cxnSpLocks/>
-            <a:stCxn id="51" idx="3"/>
-            <a:endCxn id="37" idx="1"/>
-          </p:cNvCxnSpPr>
-          <p:nvPr/>
-        </p:nvCxnSpPr>
-        <p:spPr>
-          <a:xfrm>
-            <a:off x="6134102" y="4299882"/>
-            <a:ext cx="620712" cy="147222"/>
-          </a:xfrm>
-          <a:prstGeom prst="straightConnector1">
-            <a:avLst/>
-          </a:prstGeom>
-          <a:ln>
-            <a:tailEnd type="triangle"/>
-          </a:ln>
-        </p:spPr>
-        <p:style>
-          <a:lnRef idx="1">
-            <a:schemeClr val="accent1"/>
-          </a:lnRef>
-          <a:fillRef idx="0">
-            <a:schemeClr val="accent1"/>
-          </a:fillRef>
-          <a:effectRef idx="0">
-            <a:schemeClr val="accent1"/>
-          </a:effectRef>
-          <a:fontRef idx="minor">
-            <a:schemeClr val="tx1"/>
-          </a:fontRef>
-        </p:style>
-      </p:cxnSp>
       <p:sp>
         <p:nvSpPr>
           <p:cNvPr id="56" name="正方形/長方形 55">
@@ -4719,10 +4696,10 @@
       </p:cxnSp>
       <p:sp>
         <p:nvSpPr>
-          <p:cNvPr id="64" name="正方形/長方形 63">
-            <a:extLst>
-              <a:ext uri="{FF2B5EF4-FFF2-40B4-BE49-F238E27FC236}">
-                <a16:creationId xmlns:a16="http://schemas.microsoft.com/office/drawing/2014/main" id="{02164BD8-8AF4-4000-B2E0-F8059634DC35}"/>
+          <p:cNvPr id="67" name="正方形/長方形 66">
+            <a:extLst>
+              <a:ext uri="{FF2B5EF4-FFF2-40B4-BE49-F238E27FC236}">
+                <a16:creationId xmlns:a16="http://schemas.microsoft.com/office/drawing/2014/main" id="{DA738D6D-187C-4345-B63C-5F55970B1FB8}"/>
               </a:ext>
             </a:extLst>
           </p:cNvPr>
@@ -4731,101 +4708,7 @@
         </p:nvSpPr>
         <p:spPr>
           <a:xfrm>
-            <a:off x="6754813" y="3137739"/>
-            <a:ext cx="3008311" cy="369333"/>
-          </a:xfrm>
-          <a:prstGeom prst="rect">
-            <a:avLst/>
-          </a:prstGeom>
-        </p:spPr>
-        <p:style>
-          <a:lnRef idx="2">
-            <a:schemeClr val="accent6"/>
-          </a:lnRef>
-          <a:fillRef idx="1">
-            <a:schemeClr val="lt1"/>
-          </a:fillRef>
-          <a:effectRef idx="0">
-            <a:schemeClr val="accent6"/>
-          </a:effectRef>
-          <a:fontRef idx="minor">
-            <a:schemeClr val="dk1"/>
-          </a:fontRef>
-        </p:style>
-        <p:txBody>
-          <a:bodyPr rtlCol="0" anchor="ctr"/>
-          <a:lstStyle/>
-          <a:p>
-            <a:pPr algn="ctr"/>
-            <a:r>
-              <a:rPr lang="en-US" dirty="0"/>
-              <a:t>Weak Acquire Intermediate</a:t>
-            </a:r>
-          </a:p>
-        </p:txBody>
-      </p:sp>
-      <p:sp>
-        <p:nvSpPr>
-          <p:cNvPr id="65" name="正方形/長方形 64">
-            <a:extLst>
-              <a:ext uri="{FF2B5EF4-FFF2-40B4-BE49-F238E27FC236}">
-                <a16:creationId xmlns:a16="http://schemas.microsoft.com/office/drawing/2014/main" id="{977027FC-731B-40F2-B076-0BA4F677000A}"/>
-              </a:ext>
-            </a:extLst>
-          </p:cNvPr>
-          <p:cNvSpPr/>
-          <p:nvPr/>
-        </p:nvSpPr>
-        <p:spPr>
-          <a:xfrm>
-            <a:off x="6754812" y="2768405"/>
-            <a:ext cx="3008311" cy="369333"/>
-          </a:xfrm>
-          <a:prstGeom prst="rect">
-            <a:avLst/>
-          </a:prstGeom>
-        </p:spPr>
-        <p:style>
-          <a:lnRef idx="2">
-            <a:schemeClr val="accent6"/>
-          </a:lnRef>
-          <a:fillRef idx="1">
-            <a:schemeClr val="lt1"/>
-          </a:fillRef>
-          <a:effectRef idx="0">
-            <a:schemeClr val="accent6"/>
-          </a:effectRef>
-          <a:fontRef idx="minor">
-            <a:schemeClr val="dk1"/>
-          </a:fontRef>
-        </p:style>
-        <p:txBody>
-          <a:bodyPr rtlCol="0" anchor="ctr"/>
-          <a:lstStyle/>
-          <a:p>
-            <a:pPr algn="ctr"/>
-            <a:r>
-              <a:rPr lang="en-US" dirty="0"/>
-              <a:t>Weak Acquire Intermediate</a:t>
-            </a:r>
-          </a:p>
-        </p:txBody>
-      </p:sp>
-      <p:sp>
-        <p:nvSpPr>
-          <p:cNvPr id="66" name="正方形/長方形 65">
-            <a:extLst>
-              <a:ext uri="{FF2B5EF4-FFF2-40B4-BE49-F238E27FC236}">
-                <a16:creationId xmlns:a16="http://schemas.microsoft.com/office/drawing/2014/main" id="{9339A0E3-B551-480A-AC21-046C47FAF04A}"/>
-              </a:ext>
-            </a:extLst>
-          </p:cNvPr>
-          <p:cNvSpPr/>
-          <p:nvPr/>
-        </p:nvSpPr>
-        <p:spPr>
-          <a:xfrm>
-            <a:off x="6754811" y="5500180"/>
+            <a:off x="8724063" y="1977052"/>
             <a:ext cx="3008311" cy="1357820"/>
           </a:xfrm>
           <a:prstGeom prst="rect">
@@ -4860,10 +4743,10 @@
       </p:sp>
       <p:sp>
         <p:nvSpPr>
-          <p:cNvPr id="67" name="正方形/長方形 66">
-            <a:extLst>
-              <a:ext uri="{FF2B5EF4-FFF2-40B4-BE49-F238E27FC236}">
-                <a16:creationId xmlns:a16="http://schemas.microsoft.com/office/drawing/2014/main" id="{DA738D6D-187C-4345-B63C-5F55970B1FB8}"/>
+          <p:cNvPr id="39" name="正方形/長方形 38">
+            <a:extLst>
+              <a:ext uri="{FF2B5EF4-FFF2-40B4-BE49-F238E27FC236}">
+                <a16:creationId xmlns:a16="http://schemas.microsoft.com/office/drawing/2014/main" id="{C3165919-E900-4391-B4E1-CC30D62E513C}"/>
               </a:ext>
             </a:extLst>
           </p:cNvPr>
@@ -4872,8 +4755,8 @@
         </p:nvSpPr>
         <p:spPr>
           <a:xfrm>
-            <a:off x="6754810" y="1420608"/>
-            <a:ext cx="3008311" cy="1357820"/>
+            <a:off x="8724068" y="3956960"/>
+            <a:ext cx="3053360" cy="586944"/>
           </a:xfrm>
           <a:prstGeom prst="rect">
             <a:avLst/>
@@ -4900,45 +4783,243 @@
             <a:pPr algn="ctr"/>
             <a:r>
               <a:rPr lang="en-US" dirty="0"/>
+              <a:t>Shared to Local</a:t>
+            </a:r>
+          </a:p>
+        </p:txBody>
+      </p:sp>
+      <p:sp>
+        <p:nvSpPr>
+          <p:cNvPr id="42" name="正方形/長方形 41">
+            <a:extLst>
+              <a:ext uri="{FF2B5EF4-FFF2-40B4-BE49-F238E27FC236}">
+                <a16:creationId xmlns:a16="http://schemas.microsoft.com/office/drawing/2014/main" id="{09D5F58B-2B0D-4331-B629-389963571B85}"/>
+              </a:ext>
+            </a:extLst>
+          </p:cNvPr>
+          <p:cNvSpPr/>
+          <p:nvPr/>
+        </p:nvSpPr>
+        <p:spPr>
+          <a:xfrm>
+            <a:off x="7239792" y="3994720"/>
+            <a:ext cx="1147764" cy="500212"/>
+          </a:xfrm>
+          <a:prstGeom prst="rect">
+            <a:avLst/>
+          </a:prstGeom>
+        </p:spPr>
+        <p:style>
+          <a:lnRef idx="2">
+            <a:schemeClr val="accent5"/>
+          </a:lnRef>
+          <a:fillRef idx="1">
+            <a:schemeClr val="lt1"/>
+          </a:fillRef>
+          <a:effectRef idx="0">
+            <a:schemeClr val="accent5"/>
+          </a:effectRef>
+          <a:fontRef idx="minor">
+            <a:schemeClr val="dk1"/>
+          </a:fontRef>
+        </p:style>
+        <p:txBody>
+          <a:bodyPr rtlCol="0" anchor="ctr"/>
+          <a:lstStyle/>
+          <a:p>
+            <a:pPr algn="ctr"/>
+            <a:r>
+              <a:rPr lang="en-US" sz="1400" dirty="0"/>
+              <a:t>Shared</a:t>
+            </a:r>
+          </a:p>
+          <a:p>
+            <a:pPr algn="ctr"/>
+            <a:r>
+              <a:rPr lang="en-US" sz="1400" dirty="0"/>
+              <a:t>Intermediate</a:t>
+            </a:r>
+          </a:p>
+        </p:txBody>
+      </p:sp>
+      <p:cxnSp>
+        <p:nvCxnSpPr>
+          <p:cNvPr id="25" name="直線矢印コネクタ 24">
+            <a:extLst>
+              <a:ext uri="{FF2B5EF4-FFF2-40B4-BE49-F238E27FC236}">
+                <a16:creationId xmlns:a16="http://schemas.microsoft.com/office/drawing/2014/main" id="{0659F544-87D7-405C-8276-39A55D504403}"/>
+              </a:ext>
+            </a:extLst>
+          </p:cNvPr>
+          <p:cNvCxnSpPr>
+            <a:stCxn id="42" idx="3"/>
+            <a:endCxn id="39" idx="1"/>
+          </p:cNvCxnSpPr>
+          <p:nvPr/>
+        </p:nvCxnSpPr>
+        <p:spPr>
+          <a:xfrm>
+            <a:off x="8387556" y="4244826"/>
+            <a:ext cx="336512" cy="5606"/>
+          </a:xfrm>
+          <a:prstGeom prst="straightConnector1">
+            <a:avLst/>
+          </a:prstGeom>
+          <a:ln>
+            <a:tailEnd type="triangle"/>
+          </a:ln>
+        </p:spPr>
+        <p:style>
+          <a:lnRef idx="1">
+            <a:schemeClr val="accent1"/>
+          </a:lnRef>
+          <a:fillRef idx="0">
+            <a:schemeClr val="accent1"/>
+          </a:fillRef>
+          <a:effectRef idx="0">
+            <a:schemeClr val="accent1"/>
+          </a:effectRef>
+          <a:fontRef idx="minor">
+            <a:schemeClr val="tx1"/>
+          </a:fontRef>
+        </p:style>
+      </p:cxnSp>
+      <p:cxnSp>
+        <p:nvCxnSpPr>
+          <p:cNvPr id="32" name="直線矢印コネクタ 31">
+            <a:extLst>
+              <a:ext uri="{FF2B5EF4-FFF2-40B4-BE49-F238E27FC236}">
+                <a16:creationId xmlns:a16="http://schemas.microsoft.com/office/drawing/2014/main" id="{4100C38A-EEAF-45B6-A103-65042ECCE4E8}"/>
+              </a:ext>
+            </a:extLst>
+          </p:cNvPr>
+          <p:cNvCxnSpPr>
+            <a:stCxn id="39" idx="1"/>
+            <a:endCxn id="51" idx="3"/>
+          </p:cNvCxnSpPr>
+          <p:nvPr/>
+        </p:nvCxnSpPr>
+        <p:spPr>
+          <a:xfrm flipH="1">
+            <a:off x="8387556" y="4250432"/>
+            <a:ext cx="336512" cy="715170"/>
+          </a:xfrm>
+          <a:prstGeom prst="straightConnector1">
+            <a:avLst/>
+          </a:prstGeom>
+          <a:ln>
+            <a:tailEnd type="triangle"/>
+          </a:ln>
+        </p:spPr>
+        <p:style>
+          <a:lnRef idx="1">
+            <a:schemeClr val="accent1"/>
+          </a:lnRef>
+          <a:fillRef idx="0">
+            <a:schemeClr val="accent1"/>
+          </a:fillRef>
+          <a:effectRef idx="0">
+            <a:schemeClr val="accent1"/>
+          </a:effectRef>
+          <a:fontRef idx="minor">
+            <a:schemeClr val="tx1"/>
+          </a:fontRef>
+        </p:style>
+      </p:cxnSp>
+      <p:sp>
+        <p:nvSpPr>
+          <p:cNvPr id="52" name="正方形/長方形 51">
+            <a:extLst>
+              <a:ext uri="{FF2B5EF4-FFF2-40B4-BE49-F238E27FC236}">
+                <a16:creationId xmlns:a16="http://schemas.microsoft.com/office/drawing/2014/main" id="{6E806FCC-2509-4E5C-AE9E-244F05EAF40D}"/>
+              </a:ext>
+            </a:extLst>
+          </p:cNvPr>
+          <p:cNvSpPr/>
+          <p:nvPr/>
+        </p:nvSpPr>
+        <p:spPr>
+          <a:xfrm>
+            <a:off x="8724065" y="6048483"/>
+            <a:ext cx="3008311" cy="686130"/>
+          </a:xfrm>
+          <a:prstGeom prst="rect">
+            <a:avLst/>
+          </a:prstGeom>
+        </p:spPr>
+        <p:style>
+          <a:lnRef idx="2">
+            <a:schemeClr val="accent6"/>
+          </a:lnRef>
+          <a:fillRef idx="1">
+            <a:schemeClr val="lt1"/>
+          </a:fillRef>
+          <a:effectRef idx="0">
+            <a:schemeClr val="accent6"/>
+          </a:effectRef>
+          <a:fontRef idx="minor">
+            <a:schemeClr val="dk1"/>
+          </a:fontRef>
+        </p:style>
+        <p:txBody>
+          <a:bodyPr rtlCol="0" anchor="ctr"/>
+          <a:lstStyle/>
+          <a:p>
+            <a:pPr algn="ctr"/>
+            <a:r>
+              <a:rPr lang="en-US" dirty="0"/>
               <a:t>Some Wait</a:t>
             </a:r>
           </a:p>
         </p:txBody>
       </p:sp>
+      <p:cxnSp>
+        <p:nvCxnSpPr>
+          <p:cNvPr id="58" name="直線矢印コネクタ 57">
+            <a:extLst>
+              <a:ext uri="{FF2B5EF4-FFF2-40B4-BE49-F238E27FC236}">
+                <a16:creationId xmlns:a16="http://schemas.microsoft.com/office/drawing/2014/main" id="{06AC809A-32B9-4B81-BC43-280163B40275}"/>
+              </a:ext>
+            </a:extLst>
+          </p:cNvPr>
+          <p:cNvCxnSpPr>
+            <a:cxnSpLocks/>
+            <a:stCxn id="51" idx="3"/>
+            <a:endCxn id="37" idx="1"/>
+          </p:cNvCxnSpPr>
+          <p:nvPr/>
+        </p:nvCxnSpPr>
+        <p:spPr>
+          <a:xfrm>
+            <a:off x="8387556" y="4965602"/>
+            <a:ext cx="336510" cy="612045"/>
+          </a:xfrm>
+          <a:prstGeom prst="straightConnector1">
+            <a:avLst/>
+          </a:prstGeom>
+          <a:ln>
+            <a:tailEnd type="triangle"/>
+          </a:ln>
+        </p:spPr>
+        <p:style>
+          <a:lnRef idx="1">
+            <a:schemeClr val="accent1"/>
+          </a:lnRef>
+          <a:fillRef idx="0">
+            <a:schemeClr val="accent1"/>
+          </a:fillRef>
+          <a:effectRef idx="0">
+            <a:schemeClr val="accent1"/>
+          </a:effectRef>
+          <a:fontRef idx="minor">
+            <a:schemeClr val="tx1"/>
+          </a:fontRef>
+        </p:style>
+      </p:cxnSp>
     </p:spTree>
     <p:extLst>
       <p:ext uri="{BB962C8B-B14F-4D97-AF65-F5344CB8AC3E}">
         <p14:creationId xmlns:p14="http://schemas.microsoft.com/office/powerpoint/2010/main" val="1043052014"/>
-      </p:ext>
-    </p:extLst>
-  </p:cSld>
-  <p:clrMapOvr>
-    <a:masterClrMapping/>
-  </p:clrMapOvr>
-</p:sld>
-</file>
-
-<file path=ppt/slides/slide2.xml><?xml version="1.0" encoding="utf-8"?>
-<p:sld xmlns:a="http://schemas.openxmlformats.org/drawingml/2006/main" xmlns:r="http://schemas.openxmlformats.org/officeDocument/2006/relationships" xmlns:p="http://schemas.openxmlformats.org/presentationml/2006/main">
-  <p:cSld>
-    <p:spTree>
-      <p:nvGrpSpPr>
-        <p:cNvPr id="1" name=""/>
-        <p:cNvGrpSpPr/>
-        <p:nvPr/>
-      </p:nvGrpSpPr>
-      <p:grpSpPr>
-        <a:xfrm>
-          <a:off x="0" y="0"/>
-          <a:ext cx="0" cy="0"/>
-          <a:chOff x="0" y="0"/>
-          <a:chExt cx="0" cy="0"/>
-        </a:xfrm>
-      </p:grpSpPr>
-    </p:spTree>
-    <p:extLst>
-      <p:ext uri="{BB962C8B-B14F-4D97-AF65-F5344CB8AC3E}">
-        <p14:creationId xmlns:p14="http://schemas.microsoft.com/office/powerpoint/2010/main" val="1977004787"/>
       </p:ext>
     </p:extLst>
   </p:cSld>
